--- a/5_Azure Databricks/5_dbutilities/2_Run Databricks Notebook/1_Run Databricks Notebook.pptx
+++ b/5_Azure Databricks/5_dbutilities/2_Run Databricks Notebook/1_Run Databricks Notebook.pptx
@@ -106,6 +106,11 @@
       </a:defRPr>
     </a:lvl9pPr>
   </p:defaultTextStyle>
+  <p:extLst>
+    <p:ext uri="{EFAFB233-063F-42B5-8137-9DF3F51BA10A}">
+      <p15:sldGuideLst xmlns:p15="http://schemas.microsoft.com/office/powerpoint/2012/main"/>
+    </p:ext>
+  </p:extLst>
 </p:presentation>
 </file>
 
@@ -258,7 +263,7 @@
           <a:p>
             <a:fld id="{12877709-B998-4257-A26E-47B69B0EFF05}" type="datetimeFigureOut">
               <a:rPr lang="en-IN" smtClean="0"/>
-              <a:t>15-12-2022</a:t>
+              <a:t>01-02-2023</a:t>
             </a:fld>
             <a:endParaRPr lang="en-IN"/>
           </a:p>
@@ -458,7 +463,7 @@
           <a:p>
             <a:fld id="{12877709-B998-4257-A26E-47B69B0EFF05}" type="datetimeFigureOut">
               <a:rPr lang="en-IN" smtClean="0"/>
-              <a:t>15-12-2022</a:t>
+              <a:t>01-02-2023</a:t>
             </a:fld>
             <a:endParaRPr lang="en-IN"/>
           </a:p>
@@ -668,7 +673,7 @@
           <a:p>
             <a:fld id="{12877709-B998-4257-A26E-47B69B0EFF05}" type="datetimeFigureOut">
               <a:rPr lang="en-IN" smtClean="0"/>
-              <a:t>15-12-2022</a:t>
+              <a:t>01-02-2023</a:t>
             </a:fld>
             <a:endParaRPr lang="en-IN"/>
           </a:p>
@@ -888,7 +893,7 @@
           <a:p>
             <a:fld id="{9B07AE80-BE62-4E50-9E1B-366147C60523}" type="datetimeFigureOut">
               <a:rPr lang="en-US" smtClean="0"/>
-              <a:t>12/15/2022</a:t>
+              <a:t>2/1/2023</a:t>
             </a:fld>
             <a:endParaRPr lang="en-US"/>
           </a:p>
@@ -1086,7 +1091,7 @@
           <a:p>
             <a:fld id="{9B07AE80-BE62-4E50-9E1B-366147C60523}" type="datetimeFigureOut">
               <a:rPr lang="en-US" smtClean="0"/>
-              <a:t>12/15/2022</a:t>
+              <a:t>2/1/2023</a:t>
             </a:fld>
             <a:endParaRPr lang="en-US"/>
           </a:p>
@@ -1361,7 +1366,7 @@
           <a:p>
             <a:fld id="{9B07AE80-BE62-4E50-9E1B-366147C60523}" type="datetimeFigureOut">
               <a:rPr lang="en-US" smtClean="0"/>
-              <a:t>12/15/2022</a:t>
+              <a:t>2/1/2023</a:t>
             </a:fld>
             <a:endParaRPr lang="en-US"/>
           </a:p>
@@ -1626,7 +1631,7 @@
           <a:p>
             <a:fld id="{9B07AE80-BE62-4E50-9E1B-366147C60523}" type="datetimeFigureOut">
               <a:rPr lang="en-US" smtClean="0"/>
-              <a:t>12/15/2022</a:t>
+              <a:t>2/1/2023</a:t>
             </a:fld>
             <a:endParaRPr lang="en-US"/>
           </a:p>
@@ -2038,7 +2043,7 @@
           <a:p>
             <a:fld id="{9B07AE80-BE62-4E50-9E1B-366147C60523}" type="datetimeFigureOut">
               <a:rPr lang="en-US" smtClean="0"/>
-              <a:t>12/15/2022</a:t>
+              <a:t>2/1/2023</a:t>
             </a:fld>
             <a:endParaRPr lang="en-US"/>
           </a:p>
@@ -2179,7 +2184,7 @@
           <a:p>
             <a:fld id="{9B07AE80-BE62-4E50-9E1B-366147C60523}" type="datetimeFigureOut">
               <a:rPr lang="en-US" smtClean="0"/>
-              <a:t>12/15/2022</a:t>
+              <a:t>2/1/2023</a:t>
             </a:fld>
             <a:endParaRPr lang="en-US"/>
           </a:p>
@@ -2292,7 +2297,7 @@
           <a:p>
             <a:fld id="{9B07AE80-BE62-4E50-9E1B-366147C60523}" type="datetimeFigureOut">
               <a:rPr lang="en-US" smtClean="0"/>
-              <a:t>12/15/2022</a:t>
+              <a:t>2/1/2023</a:t>
             </a:fld>
             <a:endParaRPr lang="en-US"/>
           </a:p>
@@ -2603,7 +2608,7 @@
           <a:p>
             <a:fld id="{9B07AE80-BE62-4E50-9E1B-366147C60523}" type="datetimeFigureOut">
               <a:rPr lang="en-US" smtClean="0"/>
-              <a:t>12/15/2022</a:t>
+              <a:t>2/1/2023</a:t>
             </a:fld>
             <a:endParaRPr lang="en-US"/>
           </a:p>
@@ -2803,7 +2808,7 @@
           <a:p>
             <a:fld id="{12877709-B998-4257-A26E-47B69B0EFF05}" type="datetimeFigureOut">
               <a:rPr lang="en-IN" smtClean="0"/>
-              <a:t>15-12-2022</a:t>
+              <a:t>01-02-2023</a:t>
             </a:fld>
             <a:endParaRPr lang="en-IN"/>
           </a:p>
@@ -3091,7 +3096,7 @@
           <a:p>
             <a:fld id="{9B07AE80-BE62-4E50-9E1B-366147C60523}" type="datetimeFigureOut">
               <a:rPr lang="en-US" smtClean="0"/>
-              <a:t>12/15/2022</a:t>
+              <a:t>2/1/2023</a:t>
             </a:fld>
             <a:endParaRPr lang="en-US"/>
           </a:p>
@@ -3289,7 +3294,7 @@
           <a:p>
             <a:fld id="{9B07AE80-BE62-4E50-9E1B-366147C60523}" type="datetimeFigureOut">
               <a:rPr lang="en-US" smtClean="0"/>
-              <a:t>12/15/2022</a:t>
+              <a:t>2/1/2023</a:t>
             </a:fld>
             <a:endParaRPr lang="en-US"/>
           </a:p>
@@ -3497,7 +3502,7 @@
           <a:p>
             <a:fld id="{9B07AE80-BE62-4E50-9E1B-366147C60523}" type="datetimeFigureOut">
               <a:rPr lang="en-US" smtClean="0"/>
-              <a:t>12/15/2022</a:t>
+              <a:t>2/1/2023</a:t>
             </a:fld>
             <a:endParaRPr lang="en-US"/>
           </a:p>
@@ -3773,7 +3778,7 @@
           <a:p>
             <a:fld id="{12877709-B998-4257-A26E-47B69B0EFF05}" type="datetimeFigureOut">
               <a:rPr lang="en-IN" smtClean="0"/>
-              <a:t>15-12-2022</a:t>
+              <a:t>01-02-2023</a:t>
             </a:fld>
             <a:endParaRPr lang="en-IN"/>
           </a:p>
@@ -4041,7 +4046,7 @@
           <a:p>
             <a:fld id="{12877709-B998-4257-A26E-47B69B0EFF05}" type="datetimeFigureOut">
               <a:rPr lang="en-IN" smtClean="0"/>
-              <a:t>15-12-2022</a:t>
+              <a:t>01-02-2023</a:t>
             </a:fld>
             <a:endParaRPr lang="en-IN"/>
           </a:p>
@@ -4456,7 +4461,7 @@
           <a:p>
             <a:fld id="{12877709-B998-4257-A26E-47B69B0EFF05}" type="datetimeFigureOut">
               <a:rPr lang="en-IN" smtClean="0"/>
-              <a:t>15-12-2022</a:t>
+              <a:t>01-02-2023</a:t>
             </a:fld>
             <a:endParaRPr lang="en-IN"/>
           </a:p>
@@ -4598,7 +4603,7 @@
           <a:p>
             <a:fld id="{12877709-B998-4257-A26E-47B69B0EFF05}" type="datetimeFigureOut">
               <a:rPr lang="en-IN" smtClean="0"/>
-              <a:t>15-12-2022</a:t>
+              <a:t>01-02-2023</a:t>
             </a:fld>
             <a:endParaRPr lang="en-IN"/>
           </a:p>
@@ -4711,7 +4716,7 @@
           <a:p>
             <a:fld id="{12877709-B998-4257-A26E-47B69B0EFF05}" type="datetimeFigureOut">
               <a:rPr lang="en-IN" smtClean="0"/>
-              <a:t>15-12-2022</a:t>
+              <a:t>01-02-2023</a:t>
             </a:fld>
             <a:endParaRPr lang="en-IN"/>
           </a:p>
@@ -5024,7 +5029,7 @@
           <a:p>
             <a:fld id="{12877709-B998-4257-A26E-47B69B0EFF05}" type="datetimeFigureOut">
               <a:rPr lang="en-IN" smtClean="0"/>
-              <a:t>15-12-2022</a:t>
+              <a:t>01-02-2023</a:t>
             </a:fld>
             <a:endParaRPr lang="en-IN"/>
           </a:p>
@@ -5313,7 +5318,7 @@
           <a:p>
             <a:fld id="{12877709-B998-4257-A26E-47B69B0EFF05}" type="datetimeFigureOut">
               <a:rPr lang="en-IN" smtClean="0"/>
-              <a:t>15-12-2022</a:t>
+              <a:t>01-02-2023</a:t>
             </a:fld>
             <a:endParaRPr lang="en-IN"/>
           </a:p>
@@ -5556,7 +5561,7 @@
           <a:p>
             <a:fld id="{12877709-B998-4257-A26E-47B69B0EFF05}" type="datetimeFigureOut">
               <a:rPr lang="en-IN" smtClean="0"/>
-              <a:t>15-12-2022</a:t>
+              <a:t>01-02-2023</a:t>
             </a:fld>
             <a:endParaRPr lang="en-IN"/>
           </a:p>
@@ -6124,7 +6129,7 @@
           <a:p>
             <a:fld id="{9B07AE80-BE62-4E50-9E1B-366147C60523}" type="datetimeFigureOut">
               <a:rPr lang="en-US" smtClean="0"/>
-              <a:t>12/15/2022</a:t>
+              <a:t>2/1/2023</a:t>
             </a:fld>
             <a:endParaRPr lang="en-US"/>
           </a:p>
@@ -6562,8 +6567,8 @@
         </p:blipFill>
         <p:spPr>
           <a:xfrm>
-            <a:off x="139147" y="159026"/>
-            <a:ext cx="5187925" cy="1580322"/>
+            <a:off x="139147" y="159025"/>
+            <a:ext cx="5737053" cy="1747595"/>
           </a:xfrm>
           <a:prstGeom prst="rect">
             <a:avLst/>
@@ -6572,10 +6577,10 @@
       </p:pic>
       <p:pic>
         <p:nvPicPr>
-          <p:cNvPr id="5" name="Picture 4">
-            <a:extLst>
-              <a:ext uri="{FF2B5EF4-FFF2-40B4-BE49-F238E27FC236}">
-                <a16:creationId xmlns:a16="http://schemas.microsoft.com/office/drawing/2014/main" id="{B9FB7B7F-F293-44C8-A318-3910274A3425}"/>
+          <p:cNvPr id="6" name="Picture 5">
+            <a:extLst>
+              <a:ext uri="{FF2B5EF4-FFF2-40B4-BE49-F238E27FC236}">
+                <a16:creationId xmlns:a16="http://schemas.microsoft.com/office/drawing/2014/main" id="{88D8D6CD-F1CF-4BBF-A51C-26BFA4130EB4}"/>
               </a:ext>
             </a:extLst>
           </p:cNvPr>
@@ -6586,20 +6591,20 @@
         </p:nvPicPr>
         <p:blipFill rotWithShape="1">
           <a:blip r:embed="rId3"/>
-          <a:srcRect l="15408" t="39565" r="55408" b="48695"/>
+          <a:srcRect l="17715" t="38365" r="30556" b="22390"/>
           <a:stretch/>
         </p:blipFill>
         <p:spPr>
           <a:xfrm>
-            <a:off x="139146" y="1938130"/>
-            <a:ext cx="5956854" cy="1347781"/>
+            <a:off x="139147" y="2400695"/>
+            <a:ext cx="8346695" cy="3957704"/>
           </a:xfrm>
           <a:prstGeom prst="rect">
             <a:avLst/>
           </a:prstGeom>
           <a:ln w="15875">
             <a:solidFill>
-              <a:schemeClr val="tx1"/>
+              <a:schemeClr val="dk1"/>
             </a:solidFill>
           </a:ln>
         </p:spPr>
@@ -6634,6 +6639,74 @@
           <a:chExt cx="0" cy="0"/>
         </a:xfrm>
       </p:grpSpPr>
+      <p:pic>
+        <p:nvPicPr>
+          <p:cNvPr id="3" name="Picture 2">
+            <a:extLst>
+              <a:ext uri="{FF2B5EF4-FFF2-40B4-BE49-F238E27FC236}">
+                <a16:creationId xmlns:a16="http://schemas.microsoft.com/office/drawing/2014/main" id="{E0514313-FADD-4C03-B443-62C741A3588B}"/>
+              </a:ext>
+            </a:extLst>
+          </p:cNvPr>
+          <p:cNvPicPr>
+            <a:picLocks noChangeAspect="1"/>
+          </p:cNvPicPr>
+          <p:nvPr/>
+        </p:nvPicPr>
+        <p:blipFill rotWithShape="1">
+          <a:blip r:embed="rId2"/>
+          <a:srcRect l="15408" t="39565" r="55408" b="48695"/>
+          <a:stretch/>
+        </p:blipFill>
+        <p:spPr>
+          <a:xfrm>
+            <a:off x="175097" y="2755109"/>
+            <a:ext cx="6525419" cy="1476423"/>
+          </a:xfrm>
+          <a:prstGeom prst="rect">
+            <a:avLst/>
+          </a:prstGeom>
+          <a:ln w="15875">
+            <a:solidFill>
+              <a:schemeClr val="tx1"/>
+            </a:solidFill>
+          </a:ln>
+        </p:spPr>
+      </p:pic>
+      <p:pic>
+        <p:nvPicPr>
+          <p:cNvPr id="5" name="Picture 4">
+            <a:extLst>
+              <a:ext uri="{FF2B5EF4-FFF2-40B4-BE49-F238E27FC236}">
+                <a16:creationId xmlns:a16="http://schemas.microsoft.com/office/drawing/2014/main" id="{2B20FA7D-03AC-42C9-BDD6-91579BE35B70}"/>
+              </a:ext>
+            </a:extLst>
+          </p:cNvPr>
+          <p:cNvPicPr>
+            <a:picLocks noChangeAspect="1"/>
+          </p:cNvPicPr>
+          <p:nvPr/>
+        </p:nvPicPr>
+        <p:blipFill rotWithShape="1">
+          <a:blip r:embed="rId3"/>
+          <a:srcRect l="16785" t="23972" r="59545" b="50000"/>
+          <a:stretch/>
+        </p:blipFill>
+        <p:spPr>
+          <a:xfrm>
+            <a:off x="175098" y="155642"/>
+            <a:ext cx="3365770" cy="2313180"/>
+          </a:xfrm>
+          <a:prstGeom prst="rect">
+            <a:avLst/>
+          </a:prstGeom>
+          <a:ln w="15875">
+            <a:solidFill>
+              <a:schemeClr val="tx1"/>
+            </a:solidFill>
+          </a:ln>
+        </p:spPr>
+      </p:pic>
     </p:spTree>
     <p:extLst>
       <p:ext uri="{BB962C8B-B14F-4D97-AF65-F5344CB8AC3E}">
